--- a/wip/abstractions/illus.pptx
+++ b/wip/abstractions/illus.pptx
@@ -929,7 +929,7 @@
         <a:lstStyle/>
         <a:p>
           <a:r>
-            <a:rPr lang="fr-FR" b="1" smtClean="0"/>
+            <a:rPr lang="fr-FR" b="1" dirty="0" smtClean="0"/>
             <a:t>Riche</a:t>
           </a:r>
           <a:endParaRPr lang="fr-FR" b="1" dirty="0"/>
@@ -1233,7 +1233,7 @@
             </a:spcAft>
           </a:pPr>
           <a:r>
-            <a:rPr lang="fr-FR" sz="3100" b="1" kern="1200" smtClean="0"/>
+            <a:rPr lang="fr-FR" sz="3100" b="1" kern="1200" dirty="0" smtClean="0"/>
             <a:t>Riche</a:t>
           </a:r>
           <a:endParaRPr lang="fr-FR" sz="3100" b="1" kern="1200" dirty="0"/>
@@ -15612,7 +15612,7 @@
             <p:ph type="pic" idx="1"/>
             <p:extLst>
               <p:ext uri="{D42A27DB-BD31-4B8C-83A1-F6EECF244321}">
-                <p14:modId xmlns:p14="http://schemas.microsoft.com/office/powerpoint/2010/main" val="1262684399"/>
+                <p14:modId xmlns:p14="http://schemas.microsoft.com/office/powerpoint/2010/main" val="503294339"/>
               </p:ext>
             </p:extLst>
           </p:nvPr>
